--- a/Slides - Introducción al Trading Algorítmico y Mercados Financieros.pptx
+++ b/Slides - Introducción al Trading Algorítmico y Mercados Financieros.pptx
@@ -5898,7 +5898,7 @@
                 </a:solidFill>
                 <a:latin typeface="Canva Sans"/>
               </a:rPr>
-              <a:t>Las restantes estrategias aportaron facilidad en el desarrollo del algoritmo y la introducción al tema gracias a su simplicidad y sus similitudes.</a:t>
+              <a:t>Las primeras dos estrategias aportaron facilidad en el desarrollo del algoritmo y la introducción al tema gracias a su simplicidad y sus similitudes.</a:t>
             </a:r>
           </a:p>
         </p:txBody>
